--- a/simple_nw_green.pptx
+++ b/simple_nw_green.pptx
@@ -1061,8 +1061,8 @@
         </p:blipFill>
         <p:spPr bwMode="auto">
           <a:xfrm>
-            <a:off x="39364920" y="512064"/>
-            <a:ext cx="3944945" cy="4462272"/>
+            <a:off x="39456360" y="512064"/>
+            <a:ext cx="3920693" cy="4434840"/>
           </a:xfrm>
           <a:prstGeom prst="rect">
             <a:avLst/>
@@ -1098,7 +1098,7 @@
         <p:spPr>
           <a:xfrm>
             <a:off x="512064" y="512064"/>
-            <a:ext cx="3941064" cy="4462272"/>
+            <a:ext cx="3941064" cy="4434840"/>
           </a:xfrm>
         </p:spPr>
         <p:txBody>
@@ -1689,7 +1689,7 @@
           <p:cNvPr id="2" name="Text Placeholder 1">
             <a:extLst>
               <a:ext uri="{FF2B5EF4-FFF2-40B4-BE49-F238E27FC236}">
-                <a16:creationId xmlns:a16="http://schemas.microsoft.com/office/drawing/2014/main" id="{D74FC38B-1A82-48D6-829B-CC1D10FBA123}"/>
+                <a16:creationId xmlns:a16="http://schemas.microsoft.com/office/drawing/2014/main" id="{09D51D5F-3EF5-4FA0-8DCD-F5714DD07997}"/>
               </a:ext>
             </a:extLst>
           </p:cNvPr>
@@ -1705,7 +1705,7 @@
           <a:bodyPr/>
           <a:lstStyle/>
           <a:p>
-            <a:endParaRPr lang="en-US" dirty="0"/>
+            <a:endParaRPr lang="en-US"/>
           </a:p>
         </p:txBody>
       </p:sp>
@@ -1714,7 +1714,7 @@
           <p:cNvPr id="3" name="Text Placeholder 2">
             <a:extLst>
               <a:ext uri="{FF2B5EF4-FFF2-40B4-BE49-F238E27FC236}">
-                <a16:creationId xmlns:a16="http://schemas.microsoft.com/office/drawing/2014/main" id="{C5118F6D-F180-45CF-94D0-923907A5F8CE}"/>
+                <a16:creationId xmlns:a16="http://schemas.microsoft.com/office/drawing/2014/main" id="{DF611C5B-6CA3-41B7-A609-6C0419D56703}"/>
               </a:ext>
             </a:extLst>
           </p:cNvPr>
@@ -1730,7 +1730,7 @@
           <a:bodyPr/>
           <a:lstStyle/>
           <a:p>
-            <a:endParaRPr lang="en-US" dirty="0"/>
+            <a:endParaRPr lang="en-US"/>
           </a:p>
         </p:txBody>
       </p:sp>
@@ -1739,7 +1739,7 @@
           <p:cNvPr id="4" name="Text Placeholder 3">
             <a:extLst>
               <a:ext uri="{FF2B5EF4-FFF2-40B4-BE49-F238E27FC236}">
-                <a16:creationId xmlns:a16="http://schemas.microsoft.com/office/drawing/2014/main" id="{DCABDC32-EDD0-485E-96F0-94F8AE5F595E}"/>
+                <a16:creationId xmlns:a16="http://schemas.microsoft.com/office/drawing/2014/main" id="{C28B8540-487D-419B-BFD2-4D4E1ED6EA2B}"/>
               </a:ext>
             </a:extLst>
           </p:cNvPr>
@@ -1755,7 +1755,7 @@
           <a:bodyPr/>
           <a:lstStyle/>
           <a:p>
-            <a:endParaRPr lang="en-US" dirty="0"/>
+            <a:endParaRPr lang="en-US"/>
           </a:p>
         </p:txBody>
       </p:sp>
@@ -1764,7 +1764,7 @@
           <p:cNvPr id="5" name="Title 4">
             <a:extLst>
               <a:ext uri="{FF2B5EF4-FFF2-40B4-BE49-F238E27FC236}">
-                <a16:creationId xmlns:a16="http://schemas.microsoft.com/office/drawing/2014/main" id="{4C7C5C09-36B4-4304-8DD7-59D2BBEFBD3B}"/>
+                <a16:creationId xmlns:a16="http://schemas.microsoft.com/office/drawing/2014/main" id="{FD9B4624-6455-4E23-918A-4360F464B107}"/>
               </a:ext>
             </a:extLst>
           </p:cNvPr>
@@ -1780,7 +1780,7 @@
           <a:bodyPr/>
           <a:lstStyle/>
           <a:p>
-            <a:endParaRPr lang="en-US" dirty="0"/>
+            <a:endParaRPr lang="en-US"/>
           </a:p>
         </p:txBody>
       </p:sp>
@@ -1789,7 +1789,7 @@
           <p:cNvPr id="6" name="Text Placeholder 5">
             <a:extLst>
               <a:ext uri="{FF2B5EF4-FFF2-40B4-BE49-F238E27FC236}">
-                <a16:creationId xmlns:a16="http://schemas.microsoft.com/office/drawing/2014/main" id="{CE722B28-C022-48EB-8CBE-025485456AF3}"/>
+                <a16:creationId xmlns:a16="http://schemas.microsoft.com/office/drawing/2014/main" id="{3C2C6E8C-A19F-443C-BE21-2667ABA3DB01}"/>
               </a:ext>
             </a:extLst>
           </p:cNvPr>
@@ -1805,7 +1805,7 @@
           <a:bodyPr/>
           <a:lstStyle/>
           <a:p>
-            <a:endParaRPr lang="en-US" dirty="0"/>
+            <a:endParaRPr lang="en-US"/>
           </a:p>
         </p:txBody>
       </p:sp>
@@ -1814,7 +1814,7 @@
           <p:cNvPr id="7" name="Text Placeholder 6">
             <a:extLst>
               <a:ext uri="{FF2B5EF4-FFF2-40B4-BE49-F238E27FC236}">
-                <a16:creationId xmlns:a16="http://schemas.microsoft.com/office/drawing/2014/main" id="{590FF063-D111-4942-992F-3FFFC7BA7565}"/>
+                <a16:creationId xmlns:a16="http://schemas.microsoft.com/office/drawing/2014/main" id="{31F0E864-A8FA-4890-9AA7-9F3E2101A01F}"/>
               </a:ext>
             </a:extLst>
           </p:cNvPr>
@@ -1830,7 +1830,7 @@
           <a:bodyPr/>
           <a:lstStyle/>
           <a:p>
-            <a:endParaRPr lang="en-US" dirty="0"/>
+            <a:endParaRPr lang="en-US"/>
           </a:p>
         </p:txBody>
       </p:sp>
@@ -1839,7 +1839,7 @@
           <p:cNvPr id="8" name="Text Placeholder 7">
             <a:extLst>
               <a:ext uri="{FF2B5EF4-FFF2-40B4-BE49-F238E27FC236}">
-                <a16:creationId xmlns:a16="http://schemas.microsoft.com/office/drawing/2014/main" id="{3803BAB2-E8ED-4415-B075-20FBCA1CB188}"/>
+                <a16:creationId xmlns:a16="http://schemas.microsoft.com/office/drawing/2014/main" id="{081E2E4F-4653-4FC9-8D15-2861B2A72D85}"/>
               </a:ext>
             </a:extLst>
           </p:cNvPr>
@@ -1855,7 +1855,7 @@
           <a:bodyPr/>
           <a:lstStyle/>
           <a:p>
-            <a:endParaRPr lang="en-US" dirty="0"/>
+            <a:endParaRPr lang="en-US"/>
           </a:p>
         </p:txBody>
       </p:sp>
@@ -1864,7 +1864,7 @@
           <p:cNvPr id="9" name="Text Placeholder 8">
             <a:extLst>
               <a:ext uri="{FF2B5EF4-FFF2-40B4-BE49-F238E27FC236}">
-                <a16:creationId xmlns:a16="http://schemas.microsoft.com/office/drawing/2014/main" id="{0BB9F959-4769-44CB-92FE-B05A317C8580}"/>
+                <a16:creationId xmlns:a16="http://schemas.microsoft.com/office/drawing/2014/main" id="{AA3C5EF7-7632-426A-B8E7-2222FA83FF74}"/>
               </a:ext>
             </a:extLst>
           </p:cNvPr>
@@ -1880,7 +1880,7 @@
           <a:bodyPr/>
           <a:lstStyle/>
           <a:p>
-            <a:endParaRPr lang="en-US" dirty="0"/>
+            <a:endParaRPr lang="en-US"/>
           </a:p>
         </p:txBody>
       </p:sp>
@@ -1889,7 +1889,7 @@
           <p:cNvPr id="10" name="Text Placeholder 9">
             <a:extLst>
               <a:ext uri="{FF2B5EF4-FFF2-40B4-BE49-F238E27FC236}">
-                <a16:creationId xmlns:a16="http://schemas.microsoft.com/office/drawing/2014/main" id="{6E7757CD-04D1-47AE-B9FA-F482D1FB09C4}"/>
+                <a16:creationId xmlns:a16="http://schemas.microsoft.com/office/drawing/2014/main" id="{CAB35C23-DD9B-427C-8059-8D581E02AC81}"/>
               </a:ext>
             </a:extLst>
           </p:cNvPr>
@@ -1905,7 +1905,7 @@
           <a:bodyPr/>
           <a:lstStyle/>
           <a:p>
-            <a:endParaRPr lang="en-US" dirty="0"/>
+            <a:endParaRPr lang="en-US"/>
           </a:p>
         </p:txBody>
       </p:sp>
@@ -1914,7 +1914,7 @@
           <p:cNvPr id="11" name="Text Placeholder 10">
             <a:extLst>
               <a:ext uri="{FF2B5EF4-FFF2-40B4-BE49-F238E27FC236}">
-                <a16:creationId xmlns:a16="http://schemas.microsoft.com/office/drawing/2014/main" id="{5C58A312-C0E9-4289-B98B-234024455464}"/>
+                <a16:creationId xmlns:a16="http://schemas.microsoft.com/office/drawing/2014/main" id="{A7C99547-1A00-4B68-815A-0772F4529118}"/>
               </a:ext>
             </a:extLst>
           </p:cNvPr>
@@ -1930,7 +1930,7 @@
           <a:bodyPr/>
           <a:lstStyle/>
           <a:p>
-            <a:endParaRPr lang="en-US" dirty="0"/>
+            <a:endParaRPr lang="en-US"/>
           </a:p>
         </p:txBody>
       </p:sp>
@@ -1939,7 +1939,7 @@
           <p:cNvPr id="12" name="Text Placeholder 11">
             <a:extLst>
               <a:ext uri="{FF2B5EF4-FFF2-40B4-BE49-F238E27FC236}">
-                <a16:creationId xmlns:a16="http://schemas.microsoft.com/office/drawing/2014/main" id="{32D30723-F4D7-4A42-8F1A-78BEC9B707E2}"/>
+                <a16:creationId xmlns:a16="http://schemas.microsoft.com/office/drawing/2014/main" id="{16F2A830-7038-4FAF-A4C6-D9B77B8BC357}"/>
               </a:ext>
             </a:extLst>
           </p:cNvPr>
@@ -1955,7 +1955,7 @@
           <a:bodyPr/>
           <a:lstStyle/>
           <a:p>
-            <a:endParaRPr lang="en-US" dirty="0"/>
+            <a:endParaRPr lang="en-US"/>
           </a:p>
         </p:txBody>
       </p:sp>
@@ -1964,7 +1964,7 @@
           <p:cNvPr id="13" name="Text Placeholder 12">
             <a:extLst>
               <a:ext uri="{FF2B5EF4-FFF2-40B4-BE49-F238E27FC236}">
-                <a16:creationId xmlns:a16="http://schemas.microsoft.com/office/drawing/2014/main" id="{42DA24B2-B3BA-4EFC-A9B4-F4633ABB44CB}"/>
+                <a16:creationId xmlns:a16="http://schemas.microsoft.com/office/drawing/2014/main" id="{E38600CE-F4F2-4F2B-B7DB-2352EBDAE832}"/>
               </a:ext>
             </a:extLst>
           </p:cNvPr>
@@ -1980,7 +1980,7 @@
           <a:bodyPr/>
           <a:lstStyle/>
           <a:p>
-            <a:endParaRPr lang="en-US" dirty="0"/>
+            <a:endParaRPr lang="en-US"/>
           </a:p>
         </p:txBody>
       </p:sp>
@@ -1989,7 +1989,7 @@
           <p:cNvPr id="14" name="Text Placeholder 13">
             <a:extLst>
               <a:ext uri="{FF2B5EF4-FFF2-40B4-BE49-F238E27FC236}">
-                <a16:creationId xmlns:a16="http://schemas.microsoft.com/office/drawing/2014/main" id="{8D22A6A4-9B2D-4E01-BF60-418585ABF5F7}"/>
+                <a16:creationId xmlns:a16="http://schemas.microsoft.com/office/drawing/2014/main" id="{3232D8AA-F349-412F-869B-497A22B45618}"/>
               </a:ext>
             </a:extLst>
           </p:cNvPr>
@@ -2005,7 +2005,7 @@
           <a:bodyPr/>
           <a:lstStyle/>
           <a:p>
-            <a:endParaRPr lang="en-US" dirty="0"/>
+            <a:endParaRPr lang="en-US"/>
           </a:p>
         </p:txBody>
       </p:sp>
@@ -2014,7 +2014,7 @@
           <p:cNvPr id="15" name="Text Placeholder 14">
             <a:extLst>
               <a:ext uri="{FF2B5EF4-FFF2-40B4-BE49-F238E27FC236}">
-                <a16:creationId xmlns:a16="http://schemas.microsoft.com/office/drawing/2014/main" id="{C8840369-1781-4E0B-8396-F839817FC7DA}"/>
+                <a16:creationId xmlns:a16="http://schemas.microsoft.com/office/drawing/2014/main" id="{84FE595E-DFDE-49E0-A077-CCB625723FB3}"/>
               </a:ext>
             </a:extLst>
           </p:cNvPr>
@@ -2030,7 +2030,7 @@
           <a:bodyPr/>
           <a:lstStyle/>
           <a:p>
-            <a:endParaRPr lang="en-US" dirty="0"/>
+            <a:endParaRPr lang="en-US"/>
           </a:p>
         </p:txBody>
       </p:sp>
@@ -2039,7 +2039,7 @@
           <p:cNvPr id="16" name="Text Placeholder 15">
             <a:extLst>
               <a:ext uri="{FF2B5EF4-FFF2-40B4-BE49-F238E27FC236}">
-                <a16:creationId xmlns:a16="http://schemas.microsoft.com/office/drawing/2014/main" id="{54C6F19C-B4C6-453A-ACE6-7D6C0A5A5B67}"/>
+                <a16:creationId xmlns:a16="http://schemas.microsoft.com/office/drawing/2014/main" id="{47F0AB6A-02EC-40B4-9785-064C004C8F62}"/>
               </a:ext>
             </a:extLst>
           </p:cNvPr>
@@ -2055,7 +2055,7 @@
           <a:bodyPr/>
           <a:lstStyle/>
           <a:p>
-            <a:endParaRPr lang="en-US" dirty="0"/>
+            <a:endParaRPr lang="en-US"/>
           </a:p>
         </p:txBody>
       </p:sp>
@@ -2064,7 +2064,7 @@
           <p:cNvPr id="17" name="Content Placeholder 16">
             <a:extLst>
               <a:ext uri="{FF2B5EF4-FFF2-40B4-BE49-F238E27FC236}">
-                <a16:creationId xmlns:a16="http://schemas.microsoft.com/office/drawing/2014/main" id="{97BED4BF-9937-44F2-A3E6-295A313E979D}"/>
+                <a16:creationId xmlns:a16="http://schemas.microsoft.com/office/drawing/2014/main" id="{7B3207A9-0B7A-4BD3-ACD7-D77AD8859930}"/>
               </a:ext>
             </a:extLst>
           </p:cNvPr>
@@ -2080,14 +2080,14 @@
           <a:bodyPr/>
           <a:lstStyle/>
           <a:p>
-            <a:endParaRPr lang="en-US" dirty="0"/>
+            <a:endParaRPr lang="en-US"/>
           </a:p>
         </p:txBody>
       </p:sp>
     </p:spTree>
     <p:extLst>
       <p:ext uri="{BB962C8B-B14F-4D97-AF65-F5344CB8AC3E}">
-        <p14:creationId xmlns:p14="http://schemas.microsoft.com/office/powerpoint/2010/main" val="611094065"/>
+        <p14:creationId xmlns:p14="http://schemas.microsoft.com/office/powerpoint/2010/main" val="2328655230"/>
       </p:ext>
     </p:extLst>
   </p:cSld>
@@ -2292,7 +2292,7 @@
   <a:extraClrSchemeLst/>
   <a:extLst>
     <a:ext uri="{05A4C25C-085E-4340-85A3-A5531E510DB2}">
-      <thm15:themeFamily xmlns:thm15="http://schemas.microsoft.com/office/thememl/2012/main" name="Presentation1" id="{A9E80E6B-DC87-4F9F-9520-E8203C5817D9}" vid="{09B98FD0-781C-44DF-B377-E263D712741C}"/>
+      <thm15:themeFamily xmlns:thm15="http://schemas.microsoft.com/office/thememl/2012/main" name="simple_nw_green" id="{1CB1A48C-C046-4A4F-BD62-9D4893EC13D8}" vid="{D9D58315-1117-44FF-A4D7-89DD61ACDA4D}"/>
     </a:ext>
   </a:extLst>
 </a:theme>

--- a/simple_nw_green.pptx
+++ b/simple_nw_green.pptx
@@ -335,76 +335,6 @@
       </p:sp>
       <p:sp>
         <p:nvSpPr>
-          <p:cNvPr id="10" name="Title 1">
-            <a:extLst>
-              <a:ext uri="{FF2B5EF4-FFF2-40B4-BE49-F238E27FC236}">
-                <a16:creationId xmlns:a16="http://schemas.microsoft.com/office/drawing/2014/main" id="{3300D1B3-2938-4EBB-B28F-41905093D34A}"/>
-              </a:ext>
-            </a:extLst>
-          </p:cNvPr>
-          <p:cNvSpPr txBox="1">
-            <a:spLocks/>
-          </p:cNvSpPr>
-          <p:nvPr userDrawn="1"/>
-        </p:nvSpPr>
-        <p:spPr>
-          <a:xfrm>
-            <a:off x="4965192" y="3413760"/>
-            <a:ext cx="33960816" cy="1752600"/>
-          </a:xfrm>
-          <a:prstGeom prst="rect">
-            <a:avLst/>
-          </a:prstGeom>
-        </p:spPr>
-        <p:txBody>
-          <a:bodyPr vert="horz" lIns="91440" tIns="45720" rIns="91440" bIns="45720" rtlCol="0" anchor="ctr" anchorCtr="0">
-            <a:normAutofit/>
-          </a:bodyPr>
-          <a:lstStyle>
-            <a:lvl1pPr algn="ctr" defTabSz="4389120" rtl="0" eaLnBrk="1" latinLnBrk="0" hangingPunct="1">
-              <a:lnSpc>
-                <a:spcPct val="90000"/>
-              </a:lnSpc>
-              <a:spcBef>
-                <a:spcPct val="0"/>
-              </a:spcBef>
-              <a:buNone/>
-              <a:defRPr sz="9600" kern="1200">
-                <a:solidFill>
-                  <a:schemeClr val="tx1"/>
-                </a:solidFill>
-                <a:latin typeface="+mj-lt"/>
-                <a:ea typeface="+mj-ea"/>
-                <a:cs typeface="+mj-cs"/>
-              </a:defRPr>
-            </a:lvl1pPr>
-          </a:lstStyle>
-          <a:p>
-            <a:r>
-              <a:rPr lang="en-US" sz="6000" dirty="0">
-                <a:solidFill>
-                  <a:schemeClr val="bg1"/>
-                </a:solidFill>
-                <a:latin typeface="+mn-lt"/>
-              </a:rPr>
-              <a:t>Author Name(s)</a:t>
-            </a:r>
-          </a:p>
-          <a:p>
-            <a:r>
-              <a:rPr lang="en-US" sz="6000" dirty="0">
-                <a:solidFill>
-                  <a:schemeClr val="bg1"/>
-                </a:solidFill>
-                <a:latin typeface="+mn-lt"/>
-              </a:rPr>
-              <a:t>Contact information and Affiliations</a:t>
-            </a:r>
-          </a:p>
-        </p:txBody>
-      </p:sp>
-      <p:sp>
-        <p:nvSpPr>
           <p:cNvPr id="20" name="Text Placeholder 19">
             <a:extLst>
               <a:ext uri="{FF2B5EF4-FFF2-40B4-BE49-F238E27FC236}">
@@ -1120,6 +1050,96 @@
             <a:r>
               <a:rPr lang="en-US" dirty="0"/>
               <a:t>Add additional appropriate graphic/logo here</a:t>
+            </a:r>
+          </a:p>
+        </p:txBody>
+      </p:sp>
+      <p:sp>
+        <p:nvSpPr>
+          <p:cNvPr id="4" name="Text Placeholder 3">
+            <a:extLst>
+              <a:ext uri="{FF2B5EF4-FFF2-40B4-BE49-F238E27FC236}">
+                <a16:creationId xmlns:a16="http://schemas.microsoft.com/office/drawing/2014/main" id="{06A0CE0B-3E5B-406F-84FA-B1A1EFDF88DA}"/>
+              </a:ext>
+            </a:extLst>
+          </p:cNvPr>
+          <p:cNvSpPr>
+            <a:spLocks noGrp="1"/>
+          </p:cNvSpPr>
+          <p:nvPr>
+            <p:ph type="body" sz="quarter" idx="25" hasCustomPrompt="1"/>
+          </p:nvPr>
+        </p:nvSpPr>
+        <p:spPr>
+          <a:xfrm>
+            <a:off x="4928108" y="3383280"/>
+            <a:ext cx="33997392" cy="914400"/>
+          </a:xfrm>
+        </p:spPr>
+        <p:txBody>
+          <a:bodyPr>
+            <a:noAutofit/>
+          </a:bodyPr>
+          <a:lstStyle>
+            <a:lvl1pPr marL="0" indent="0" algn="ctr">
+              <a:buNone/>
+              <a:defRPr sz="6000">
+                <a:solidFill>
+                  <a:schemeClr val="bg1"/>
+                </a:solidFill>
+              </a:defRPr>
+            </a:lvl1pPr>
+          </a:lstStyle>
+          <a:p>
+            <a:pPr lvl="0"/>
+            <a:r>
+              <a:rPr lang="en-US" dirty="0"/>
+              <a:t>Author Name(s)</a:t>
+            </a:r>
+          </a:p>
+        </p:txBody>
+      </p:sp>
+      <p:sp>
+        <p:nvSpPr>
+          <p:cNvPr id="35" name="Text Placeholder 3">
+            <a:extLst>
+              <a:ext uri="{FF2B5EF4-FFF2-40B4-BE49-F238E27FC236}">
+                <a16:creationId xmlns:a16="http://schemas.microsoft.com/office/drawing/2014/main" id="{636E0170-FC5D-4E5B-A3B4-847283711DD4}"/>
+              </a:ext>
+            </a:extLst>
+          </p:cNvPr>
+          <p:cNvSpPr>
+            <a:spLocks noGrp="1"/>
+          </p:cNvSpPr>
+          <p:nvPr>
+            <p:ph type="body" sz="quarter" idx="26" hasCustomPrompt="1"/>
+          </p:nvPr>
+        </p:nvSpPr>
+        <p:spPr>
+          <a:xfrm>
+            <a:off x="4928108" y="4407408"/>
+            <a:ext cx="33997392" cy="914400"/>
+          </a:xfrm>
+        </p:spPr>
+        <p:txBody>
+          <a:bodyPr>
+            <a:noAutofit/>
+          </a:bodyPr>
+          <a:lstStyle>
+            <a:lvl1pPr marL="0" indent="0" algn="ctr">
+              <a:buNone/>
+              <a:defRPr sz="6000">
+                <a:solidFill>
+                  <a:schemeClr val="bg1"/>
+                </a:solidFill>
+              </a:defRPr>
+            </a:lvl1pPr>
+          </a:lstStyle>
+          <a:p>
+            <a:pPr lvl="0"/>
+            <a:r>
+              <a:rPr lang="en-US" dirty="0"/>
+              <a:t>Contact and Affiliations</a:t>
             </a:r>
           </a:p>
         </p:txBody>
@@ -1289,7 +1309,7 @@
           <a:p>
             <a:fld id="{E695B7AD-C0E4-4106-98F1-A426950388A1}" type="datetimeFigureOut">
               <a:rPr lang="en-US" smtClean="0"/>
-              <a:t>4/11/2019</a:t>
+              <a:t>4/15/2019</a:t>
             </a:fld>
             <a:endParaRPr lang="en-US"/>
           </a:p>
@@ -1689,7 +1709,7 @@
           <p:cNvPr id="2" name="Text Placeholder 1">
             <a:extLst>
               <a:ext uri="{FF2B5EF4-FFF2-40B4-BE49-F238E27FC236}">
-                <a16:creationId xmlns:a16="http://schemas.microsoft.com/office/drawing/2014/main" id="{09D51D5F-3EF5-4FA0-8DCD-F5714DD07997}"/>
+                <a16:creationId xmlns:a16="http://schemas.microsoft.com/office/drawing/2014/main" id="{2ECE6DD3-A474-40A6-ABD9-BD490A37EEAF}"/>
               </a:ext>
             </a:extLst>
           </p:cNvPr>
@@ -1714,7 +1734,7 @@
           <p:cNvPr id="3" name="Text Placeholder 2">
             <a:extLst>
               <a:ext uri="{FF2B5EF4-FFF2-40B4-BE49-F238E27FC236}">
-                <a16:creationId xmlns:a16="http://schemas.microsoft.com/office/drawing/2014/main" id="{DF611C5B-6CA3-41B7-A609-6C0419D56703}"/>
+                <a16:creationId xmlns:a16="http://schemas.microsoft.com/office/drawing/2014/main" id="{6782C835-6F37-4A89-9156-FBAF12797847}"/>
               </a:ext>
             </a:extLst>
           </p:cNvPr>
@@ -1739,7 +1759,7 @@
           <p:cNvPr id="4" name="Text Placeholder 3">
             <a:extLst>
               <a:ext uri="{FF2B5EF4-FFF2-40B4-BE49-F238E27FC236}">
-                <a16:creationId xmlns:a16="http://schemas.microsoft.com/office/drawing/2014/main" id="{C28B8540-487D-419B-BFD2-4D4E1ED6EA2B}"/>
+                <a16:creationId xmlns:a16="http://schemas.microsoft.com/office/drawing/2014/main" id="{B9925826-037D-4187-B982-DCC1A75F6703}"/>
               </a:ext>
             </a:extLst>
           </p:cNvPr>
@@ -1764,7 +1784,7 @@
           <p:cNvPr id="5" name="Title 4">
             <a:extLst>
               <a:ext uri="{FF2B5EF4-FFF2-40B4-BE49-F238E27FC236}">
-                <a16:creationId xmlns:a16="http://schemas.microsoft.com/office/drawing/2014/main" id="{FD9B4624-6455-4E23-918A-4360F464B107}"/>
+                <a16:creationId xmlns:a16="http://schemas.microsoft.com/office/drawing/2014/main" id="{0C88C079-5946-446B-8284-701AAA0AEC55}"/>
               </a:ext>
             </a:extLst>
           </p:cNvPr>
@@ -1789,7 +1809,7 @@
           <p:cNvPr id="6" name="Text Placeholder 5">
             <a:extLst>
               <a:ext uri="{FF2B5EF4-FFF2-40B4-BE49-F238E27FC236}">
-                <a16:creationId xmlns:a16="http://schemas.microsoft.com/office/drawing/2014/main" id="{3C2C6E8C-A19F-443C-BE21-2667ABA3DB01}"/>
+                <a16:creationId xmlns:a16="http://schemas.microsoft.com/office/drawing/2014/main" id="{6459F65E-23E6-4AFC-B1FC-479A85341B62}"/>
               </a:ext>
             </a:extLst>
           </p:cNvPr>
@@ -1814,7 +1834,7 @@
           <p:cNvPr id="7" name="Text Placeholder 6">
             <a:extLst>
               <a:ext uri="{FF2B5EF4-FFF2-40B4-BE49-F238E27FC236}">
-                <a16:creationId xmlns:a16="http://schemas.microsoft.com/office/drawing/2014/main" id="{31F0E864-A8FA-4890-9AA7-9F3E2101A01F}"/>
+                <a16:creationId xmlns:a16="http://schemas.microsoft.com/office/drawing/2014/main" id="{10DD86A8-BBF9-4F1A-A7B0-1E7D585C5919}"/>
               </a:ext>
             </a:extLst>
           </p:cNvPr>
@@ -1839,7 +1859,7 @@
           <p:cNvPr id="8" name="Text Placeholder 7">
             <a:extLst>
               <a:ext uri="{FF2B5EF4-FFF2-40B4-BE49-F238E27FC236}">
-                <a16:creationId xmlns:a16="http://schemas.microsoft.com/office/drawing/2014/main" id="{081E2E4F-4653-4FC9-8D15-2861B2A72D85}"/>
+                <a16:creationId xmlns:a16="http://schemas.microsoft.com/office/drawing/2014/main" id="{B075DF8C-9DF9-4725-84AA-55DB3CF63304}"/>
               </a:ext>
             </a:extLst>
           </p:cNvPr>
@@ -1864,7 +1884,7 @@
           <p:cNvPr id="9" name="Text Placeholder 8">
             <a:extLst>
               <a:ext uri="{FF2B5EF4-FFF2-40B4-BE49-F238E27FC236}">
-                <a16:creationId xmlns:a16="http://schemas.microsoft.com/office/drawing/2014/main" id="{AA3C5EF7-7632-426A-B8E7-2222FA83FF74}"/>
+                <a16:creationId xmlns:a16="http://schemas.microsoft.com/office/drawing/2014/main" id="{81DFC99F-00F7-43C6-B225-8E7208699C77}"/>
               </a:ext>
             </a:extLst>
           </p:cNvPr>
@@ -1889,7 +1909,7 @@
           <p:cNvPr id="10" name="Text Placeholder 9">
             <a:extLst>
               <a:ext uri="{FF2B5EF4-FFF2-40B4-BE49-F238E27FC236}">
-                <a16:creationId xmlns:a16="http://schemas.microsoft.com/office/drawing/2014/main" id="{CAB35C23-DD9B-427C-8059-8D581E02AC81}"/>
+                <a16:creationId xmlns:a16="http://schemas.microsoft.com/office/drawing/2014/main" id="{3601BF13-FDCA-47CC-A4E1-E4D0599B6FA3}"/>
               </a:ext>
             </a:extLst>
           </p:cNvPr>
@@ -1914,7 +1934,7 @@
           <p:cNvPr id="11" name="Text Placeholder 10">
             <a:extLst>
               <a:ext uri="{FF2B5EF4-FFF2-40B4-BE49-F238E27FC236}">
-                <a16:creationId xmlns:a16="http://schemas.microsoft.com/office/drawing/2014/main" id="{A7C99547-1A00-4B68-815A-0772F4529118}"/>
+                <a16:creationId xmlns:a16="http://schemas.microsoft.com/office/drawing/2014/main" id="{979A144C-7704-4A14-9B59-3210ADCADA06}"/>
               </a:ext>
             </a:extLst>
           </p:cNvPr>
@@ -1939,7 +1959,7 @@
           <p:cNvPr id="12" name="Text Placeholder 11">
             <a:extLst>
               <a:ext uri="{FF2B5EF4-FFF2-40B4-BE49-F238E27FC236}">
-                <a16:creationId xmlns:a16="http://schemas.microsoft.com/office/drawing/2014/main" id="{16F2A830-7038-4FAF-A4C6-D9B77B8BC357}"/>
+                <a16:creationId xmlns:a16="http://schemas.microsoft.com/office/drawing/2014/main" id="{FF872BD5-8892-4D6A-ACB3-F70E40FC22BB}"/>
               </a:ext>
             </a:extLst>
           </p:cNvPr>
@@ -1964,7 +1984,7 @@
           <p:cNvPr id="13" name="Text Placeholder 12">
             <a:extLst>
               <a:ext uri="{FF2B5EF4-FFF2-40B4-BE49-F238E27FC236}">
-                <a16:creationId xmlns:a16="http://schemas.microsoft.com/office/drawing/2014/main" id="{E38600CE-F4F2-4F2B-B7DB-2352EBDAE832}"/>
+                <a16:creationId xmlns:a16="http://schemas.microsoft.com/office/drawing/2014/main" id="{17953917-DBB8-437B-9EBE-689D0F81FA14}"/>
               </a:ext>
             </a:extLst>
           </p:cNvPr>
@@ -1989,7 +2009,7 @@
           <p:cNvPr id="14" name="Text Placeholder 13">
             <a:extLst>
               <a:ext uri="{FF2B5EF4-FFF2-40B4-BE49-F238E27FC236}">
-                <a16:creationId xmlns:a16="http://schemas.microsoft.com/office/drawing/2014/main" id="{3232D8AA-F349-412F-869B-497A22B45618}"/>
+                <a16:creationId xmlns:a16="http://schemas.microsoft.com/office/drawing/2014/main" id="{E1FFF873-705E-413B-8BAD-3E3074B9D732}"/>
               </a:ext>
             </a:extLst>
           </p:cNvPr>
@@ -2014,7 +2034,7 @@
           <p:cNvPr id="15" name="Text Placeholder 14">
             <a:extLst>
               <a:ext uri="{FF2B5EF4-FFF2-40B4-BE49-F238E27FC236}">
-                <a16:creationId xmlns:a16="http://schemas.microsoft.com/office/drawing/2014/main" id="{84FE595E-DFDE-49E0-A077-CCB625723FB3}"/>
+                <a16:creationId xmlns:a16="http://schemas.microsoft.com/office/drawing/2014/main" id="{1BF4B59D-9528-412E-99F9-2EF821BE84D1}"/>
               </a:ext>
             </a:extLst>
           </p:cNvPr>
@@ -2039,7 +2059,7 @@
           <p:cNvPr id="16" name="Text Placeholder 15">
             <a:extLst>
               <a:ext uri="{FF2B5EF4-FFF2-40B4-BE49-F238E27FC236}">
-                <a16:creationId xmlns:a16="http://schemas.microsoft.com/office/drawing/2014/main" id="{47F0AB6A-02EC-40B4-9785-064C004C8F62}"/>
+                <a16:creationId xmlns:a16="http://schemas.microsoft.com/office/drawing/2014/main" id="{A71FCF94-C639-4481-8431-1A9C977AE00A}"/>
               </a:ext>
             </a:extLst>
           </p:cNvPr>
@@ -2064,7 +2084,7 @@
           <p:cNvPr id="17" name="Content Placeholder 16">
             <a:extLst>
               <a:ext uri="{FF2B5EF4-FFF2-40B4-BE49-F238E27FC236}">
-                <a16:creationId xmlns:a16="http://schemas.microsoft.com/office/drawing/2014/main" id="{7B3207A9-0B7A-4BD3-ACD7-D77AD8859930}"/>
+                <a16:creationId xmlns:a16="http://schemas.microsoft.com/office/drawing/2014/main" id="{B1BBC72F-6626-468A-9DD0-60D6E78610E7}"/>
               </a:ext>
             </a:extLst>
           </p:cNvPr>
@@ -2073,6 +2093,56 @@
           </p:cNvSpPr>
           <p:nvPr>
             <p:ph sz="quarter" idx="24"/>
+          </p:nvPr>
+        </p:nvSpPr>
+        <p:spPr/>
+        <p:txBody>
+          <a:bodyPr/>
+          <a:lstStyle/>
+          <a:p>
+            <a:endParaRPr lang="en-US"/>
+          </a:p>
+        </p:txBody>
+      </p:sp>
+      <p:sp>
+        <p:nvSpPr>
+          <p:cNvPr id="18" name="Text Placeholder 17">
+            <a:extLst>
+              <a:ext uri="{FF2B5EF4-FFF2-40B4-BE49-F238E27FC236}">
+                <a16:creationId xmlns:a16="http://schemas.microsoft.com/office/drawing/2014/main" id="{A5291E29-4AEA-45E7-9006-81F68032B655}"/>
+              </a:ext>
+            </a:extLst>
+          </p:cNvPr>
+          <p:cNvSpPr>
+            <a:spLocks noGrp="1"/>
+          </p:cNvSpPr>
+          <p:nvPr>
+            <p:ph type="body" sz="quarter" idx="25"/>
+          </p:nvPr>
+        </p:nvSpPr>
+        <p:spPr/>
+        <p:txBody>
+          <a:bodyPr/>
+          <a:lstStyle/>
+          <a:p>
+            <a:endParaRPr lang="en-US"/>
+          </a:p>
+        </p:txBody>
+      </p:sp>
+      <p:sp>
+        <p:nvSpPr>
+          <p:cNvPr id="19" name="Text Placeholder 18">
+            <a:extLst>
+              <a:ext uri="{FF2B5EF4-FFF2-40B4-BE49-F238E27FC236}">
+                <a16:creationId xmlns:a16="http://schemas.microsoft.com/office/drawing/2014/main" id="{B99FD13C-05CB-4B93-A35C-CCACD2BFCCAD}"/>
+              </a:ext>
+            </a:extLst>
+          </p:cNvPr>
+          <p:cNvSpPr>
+            <a:spLocks noGrp="1"/>
+          </p:cNvSpPr>
+          <p:nvPr>
+            <p:ph type="body" sz="quarter" idx="26"/>
           </p:nvPr>
         </p:nvSpPr>
         <p:spPr/>
@@ -2087,7 +2157,7 @@
     </p:spTree>
     <p:extLst>
       <p:ext uri="{BB962C8B-B14F-4D97-AF65-F5344CB8AC3E}">
-        <p14:creationId xmlns:p14="http://schemas.microsoft.com/office/powerpoint/2010/main" val="2328655230"/>
+        <p14:creationId xmlns:p14="http://schemas.microsoft.com/office/powerpoint/2010/main" val="3121552934"/>
       </p:ext>
     </p:extLst>
   </p:cSld>
@@ -2292,7 +2362,7 @@
   <a:extraClrSchemeLst/>
   <a:extLst>
     <a:ext uri="{05A4C25C-085E-4340-85A3-A5531E510DB2}">
-      <thm15:themeFamily xmlns:thm15="http://schemas.microsoft.com/office/thememl/2012/main" name="simple_nw_green" id="{1CB1A48C-C046-4A4F-BD62-9D4893EC13D8}" vid="{D9D58315-1117-44FF-A4D7-89DD61ACDA4D}"/>
+      <thm15:themeFamily xmlns:thm15="http://schemas.microsoft.com/office/thememl/2012/main" name="simple_nw_green" id="{8A0CC076-DF9E-4991-A331-C72B7732392D}" vid="{A32A041A-A5FE-4424-9FAA-80AF5BFF47C9}"/>
     </a:ext>
   </a:extLst>
 </a:theme>
